--- a/Система учета для столовых.pptx
+++ b/Система учета для столовых.pptx
@@ -317,7 +317,7 @@
           <a:p>
             <a:fld id="{B595A148-3548-40BD-9EEC-2BA07A1C9323}" type="datetimeFigureOut">
               <a:rPr lang="ru-RU" smtClean="0"/>
-              <a:t>09.12.2025</a:t>
+              <a:t>10.12.2025</a:t>
             </a:fld>
             <a:endParaRPr lang="ru-RU"/>
           </a:p>
@@ -538,7 +538,7 @@
           <a:p>
             <a:fld id="{B595A148-3548-40BD-9EEC-2BA07A1C9323}" type="datetimeFigureOut">
               <a:rPr lang="ru-RU" smtClean="0"/>
-              <a:t>09.12.2025</a:t>
+              <a:t>10.12.2025</a:t>
             </a:fld>
             <a:endParaRPr lang="ru-RU"/>
           </a:p>
@@ -718,7 +718,7 @@
           <a:p>
             <a:fld id="{B595A148-3548-40BD-9EEC-2BA07A1C9323}" type="datetimeFigureOut">
               <a:rPr lang="ru-RU" smtClean="0"/>
-              <a:t>09.12.2025</a:t>
+              <a:t>10.12.2025</a:t>
             </a:fld>
             <a:endParaRPr lang="ru-RU"/>
           </a:p>
@@ -888,7 +888,7 @@
           <a:p>
             <a:fld id="{B595A148-3548-40BD-9EEC-2BA07A1C9323}" type="datetimeFigureOut">
               <a:rPr lang="ru-RU" smtClean="0"/>
-              <a:t>09.12.2025</a:t>
+              <a:t>10.12.2025</a:t>
             </a:fld>
             <a:endParaRPr lang="ru-RU"/>
           </a:p>
@@ -1139,7 +1139,7 @@
           <a:p>
             <a:fld id="{B595A148-3548-40BD-9EEC-2BA07A1C9323}" type="datetimeFigureOut">
               <a:rPr lang="ru-RU" smtClean="0"/>
-              <a:t>09.12.2025</a:t>
+              <a:t>10.12.2025</a:t>
             </a:fld>
             <a:endParaRPr lang="ru-RU"/>
           </a:p>
@@ -1462,7 +1462,7 @@
           <a:p>
             <a:fld id="{B595A148-3548-40BD-9EEC-2BA07A1C9323}" type="datetimeFigureOut">
               <a:rPr lang="ru-RU" smtClean="0"/>
-              <a:t>09.12.2025</a:t>
+              <a:t>10.12.2025</a:t>
             </a:fld>
             <a:endParaRPr lang="ru-RU"/>
           </a:p>
@@ -1886,7 +1886,7 @@
           <a:p>
             <a:fld id="{B595A148-3548-40BD-9EEC-2BA07A1C9323}" type="datetimeFigureOut">
               <a:rPr lang="ru-RU" smtClean="0"/>
-              <a:t>09.12.2025</a:t>
+              <a:t>10.12.2025</a:t>
             </a:fld>
             <a:endParaRPr lang="ru-RU"/>
           </a:p>
@@ -2004,7 +2004,7 @@
           <a:p>
             <a:fld id="{B595A148-3548-40BD-9EEC-2BA07A1C9323}" type="datetimeFigureOut">
               <a:rPr lang="ru-RU" smtClean="0"/>
-              <a:t>09.12.2025</a:t>
+              <a:t>10.12.2025</a:t>
             </a:fld>
             <a:endParaRPr lang="ru-RU"/>
           </a:p>
@@ -2099,7 +2099,7 @@
           <a:p>
             <a:fld id="{B595A148-3548-40BD-9EEC-2BA07A1C9323}" type="datetimeFigureOut">
               <a:rPr lang="ru-RU" smtClean="0"/>
-              <a:t>09.12.2025</a:t>
+              <a:t>10.12.2025</a:t>
             </a:fld>
             <a:endParaRPr lang="ru-RU"/>
           </a:p>
@@ -2389,7 +2389,7 @@
           <a:p>
             <a:fld id="{B595A148-3548-40BD-9EEC-2BA07A1C9323}" type="datetimeFigureOut">
               <a:rPr lang="ru-RU" smtClean="0"/>
-              <a:t>09.12.2025</a:t>
+              <a:t>10.12.2025</a:t>
             </a:fld>
             <a:endParaRPr lang="ru-RU"/>
           </a:p>
@@ -2661,7 +2661,7 @@
           <a:p>
             <a:fld id="{B595A148-3548-40BD-9EEC-2BA07A1C9323}" type="datetimeFigureOut">
               <a:rPr lang="ru-RU" smtClean="0"/>
-              <a:t>09.12.2025</a:t>
+              <a:t>10.12.2025</a:t>
             </a:fld>
             <a:endParaRPr lang="ru-RU"/>
           </a:p>
@@ -2915,7 +2915,7 @@
           <a:p>
             <a:fld id="{B595A148-3548-40BD-9EEC-2BA07A1C9323}" type="datetimeFigureOut">
               <a:rPr lang="ru-RU" smtClean="0"/>
-              <a:t>09.12.2025</a:t>
+              <a:t>10.12.2025</a:t>
             </a:fld>
             <a:endParaRPr lang="ru-RU"/>
           </a:p>
@@ -3389,10 +3389,10 @@
           <p:cNvPr id="8" name="Rectangle 7">
             <a:extLst>
               <a:ext uri="{FF2B5EF4-FFF2-40B4-BE49-F238E27FC236}">
-                <a16:creationId xmlns="" xmlns:a16="http://schemas.microsoft.com/office/drawing/2014/main" id="{0E30439A-8A5B-46EC-8283-9B6B031D40D0}"/>
+                <a16:creationId xmlns:a16="http://schemas.microsoft.com/office/drawing/2014/main" xmlns="" id="{0E30439A-8A5B-46EC-8283-9B6B031D40D0}"/>
               </a:ext>
               <a:ext uri="{C183D7F6-B498-43B3-948B-1728B52AA6E4}">
-                <adec:decorative xmlns="" xmlns:adec="http://schemas.microsoft.com/office/drawing/2017/decorative" val="1"/>
+                <adec:decorative xmlns:adec="http://schemas.microsoft.com/office/drawing/2017/decorative" xmlns="" val="1"/>
               </a:ext>
             </a:extLst>
           </p:cNvPr>
@@ -3402,7 +3402,7 @@
           <p:nvPr>
             <p:extLst>
               <p:ext uri="{386F3935-93C4-4BCD-93E2-E3B085C9AB24}">
-                <p16:designElem xmlns="" xmlns:p16="http://schemas.microsoft.com/office/powerpoint/2015/main" val="1"/>
+                <p16:designElem xmlns:p16="http://schemas.microsoft.com/office/powerpoint/2015/main" xmlns="" val="1"/>
               </p:ext>
             </p:extLst>
           </p:nvPr>
@@ -3465,10 +3465,10 @@
           <p:cNvPr id="10" name="Rectangle 9">
             <a:extLst>
               <a:ext uri="{FF2B5EF4-FFF2-40B4-BE49-F238E27FC236}">
-                <a16:creationId xmlns="" xmlns:a16="http://schemas.microsoft.com/office/drawing/2014/main" id="{5CEAD642-85CF-4750-8432-7C80C901F001}"/>
+                <a16:creationId xmlns:a16="http://schemas.microsoft.com/office/drawing/2014/main" xmlns="" id="{5CEAD642-85CF-4750-8432-7C80C901F001}"/>
               </a:ext>
               <a:ext uri="{C183D7F6-B498-43B3-948B-1728B52AA6E4}">
-                <adec:decorative xmlns="" xmlns:adec="http://schemas.microsoft.com/office/drawing/2017/decorative" val="1"/>
+                <adec:decorative xmlns:adec="http://schemas.microsoft.com/office/drawing/2017/decorative" xmlns="" val="1"/>
               </a:ext>
             </a:extLst>
           </p:cNvPr>
@@ -3478,7 +3478,7 @@
           <p:nvPr>
             <p:extLst>
               <p:ext uri="{386F3935-93C4-4BCD-93E2-E3B085C9AB24}">
-                <p16:designElem xmlns="" xmlns:p16="http://schemas.microsoft.com/office/powerpoint/2015/main" val="1"/>
+                <p16:designElem xmlns:p16="http://schemas.microsoft.com/office/powerpoint/2015/main" xmlns="" val="1"/>
               </p:ext>
             </p:extLst>
           </p:nvPr>
@@ -3538,10 +3538,10 @@
           <p:cNvPr id="12" name="Rectangle 11">
             <a:extLst>
               <a:ext uri="{FF2B5EF4-FFF2-40B4-BE49-F238E27FC236}">
-                <a16:creationId xmlns="" xmlns:a16="http://schemas.microsoft.com/office/drawing/2014/main" id="{FA33EEAE-15D5-4119-8C1E-89D943F911EF}"/>
+                <a16:creationId xmlns:a16="http://schemas.microsoft.com/office/drawing/2014/main" xmlns="" id="{FA33EEAE-15D5-4119-8C1E-89D943F911EF}"/>
               </a:ext>
               <a:ext uri="{C183D7F6-B498-43B3-948B-1728B52AA6E4}">
-                <adec:decorative xmlns="" xmlns:adec="http://schemas.microsoft.com/office/drawing/2017/decorative" val="1"/>
+                <adec:decorative xmlns:adec="http://schemas.microsoft.com/office/drawing/2017/decorative" xmlns="" val="1"/>
               </a:ext>
             </a:extLst>
           </p:cNvPr>
@@ -3551,7 +3551,7 @@
           <p:nvPr>
             <p:extLst>
               <p:ext uri="{386F3935-93C4-4BCD-93E2-E3B085C9AB24}">
-                <p16:designElem xmlns="" xmlns:p16="http://schemas.microsoft.com/office/powerpoint/2015/main" val="1"/>
+                <p16:designElem xmlns:p16="http://schemas.microsoft.com/office/powerpoint/2015/main" xmlns="" val="1"/>
               </p:ext>
             </p:extLst>
           </p:nvPr>
@@ -3614,10 +3614,10 @@
           <p:cNvPr id="14" name="Rectangle 13">
             <a:extLst>
               <a:ext uri="{FF2B5EF4-FFF2-40B4-BE49-F238E27FC236}">
-                <a16:creationId xmlns="" xmlns:a16="http://schemas.microsoft.com/office/drawing/2014/main" id="{730D8B3B-9B80-4025-B934-26DC7D7CD231}"/>
+                <a16:creationId xmlns:a16="http://schemas.microsoft.com/office/drawing/2014/main" xmlns="" id="{730D8B3B-9B80-4025-B934-26DC7D7CD231}"/>
               </a:ext>
               <a:ext uri="{C183D7F6-B498-43B3-948B-1728B52AA6E4}">
-                <adec:decorative xmlns="" xmlns:adec="http://schemas.microsoft.com/office/drawing/2017/decorative" val="1"/>
+                <adec:decorative xmlns:adec="http://schemas.microsoft.com/office/drawing/2017/decorative" xmlns="" val="1"/>
               </a:ext>
             </a:extLst>
           </p:cNvPr>
@@ -3627,7 +3627,7 @@
           <p:nvPr>
             <p:extLst>
               <p:ext uri="{386F3935-93C4-4BCD-93E2-E3B085C9AB24}">
-                <p16:designElem xmlns="" xmlns:p16="http://schemas.microsoft.com/office/powerpoint/2015/main" val="1"/>
+                <p16:designElem xmlns:p16="http://schemas.microsoft.com/office/powerpoint/2015/main" xmlns="" val="1"/>
               </p:ext>
             </p:extLst>
           </p:nvPr>
@@ -3690,10 +3690,10 @@
           <p:cNvPr id="16" name="Oval 15">
             <a:extLst>
               <a:ext uri="{FF2B5EF4-FFF2-40B4-BE49-F238E27FC236}">
-                <a16:creationId xmlns="" xmlns:a16="http://schemas.microsoft.com/office/drawing/2014/main" id="{B5A1B09C-1565-46F8-B70F-621C5EB48A09}"/>
+                <a16:creationId xmlns:a16="http://schemas.microsoft.com/office/drawing/2014/main" xmlns="" id="{B5A1B09C-1565-46F8-B70F-621C5EB48A09}"/>
               </a:ext>
               <a:ext uri="{C183D7F6-B498-43B3-948B-1728B52AA6E4}">
-                <adec:decorative xmlns="" xmlns:adec="http://schemas.microsoft.com/office/drawing/2017/decorative" val="1"/>
+                <adec:decorative xmlns:adec="http://schemas.microsoft.com/office/drawing/2017/decorative" xmlns="" val="1"/>
               </a:ext>
             </a:extLst>
           </p:cNvPr>
@@ -3703,7 +3703,7 @@
           <p:nvPr>
             <p:extLst>
               <p:ext uri="{386F3935-93C4-4BCD-93E2-E3B085C9AB24}">
-                <p16:designElem xmlns="" xmlns:p16="http://schemas.microsoft.com/office/powerpoint/2015/main" val="1"/>
+                <p16:designElem xmlns:p16="http://schemas.microsoft.com/office/powerpoint/2015/main" xmlns="" val="1"/>
               </p:ext>
             </p:extLst>
           </p:nvPr>
@@ -3767,7 +3767,7 @@
           <p:cNvPr id="2" name="Заголовок 1">
             <a:extLst>
               <a:ext uri="{FF2B5EF4-FFF2-40B4-BE49-F238E27FC236}">
-                <a16:creationId xmlns="" xmlns:a16="http://schemas.microsoft.com/office/drawing/2014/main" id="{8CDA193B-7B4C-45A2-9E9E-6F95A11CD031}"/>
+                <a16:creationId xmlns:a16="http://schemas.microsoft.com/office/drawing/2014/main" xmlns="" id="{8CDA193B-7B4C-45A2-9E9E-6F95A11CD031}"/>
               </a:ext>
             </a:extLst>
           </p:cNvPr>
@@ -3812,7 +3812,7 @@
           <p:cNvPr id="3" name="Подзаголовок 2">
             <a:extLst>
               <a:ext uri="{FF2B5EF4-FFF2-40B4-BE49-F238E27FC236}">
-                <a16:creationId xmlns="" xmlns:a16="http://schemas.microsoft.com/office/drawing/2014/main" id="{EC40C0D6-C309-4F7E-9D70-46879DDC0A6C}"/>
+                <a16:creationId xmlns:a16="http://schemas.microsoft.com/office/drawing/2014/main" xmlns="" id="{EC40C0D6-C309-4F7E-9D70-46879DDC0A6C}"/>
               </a:ext>
             </a:extLst>
           </p:cNvPr>
@@ -3852,10 +3852,10 @@
           <p:cNvPr id="18" name="Rectangle 17">
             <a:extLst>
               <a:ext uri="{FF2B5EF4-FFF2-40B4-BE49-F238E27FC236}">
-                <a16:creationId xmlns="" xmlns:a16="http://schemas.microsoft.com/office/drawing/2014/main" id="{8C516CC8-80AC-446C-A56E-9F54B7210402}"/>
+                <a16:creationId xmlns:a16="http://schemas.microsoft.com/office/drawing/2014/main" xmlns="" id="{8C516CC8-80AC-446C-A56E-9F54B7210402}"/>
               </a:ext>
               <a:ext uri="{C183D7F6-B498-43B3-948B-1728B52AA6E4}">
-                <adec:decorative xmlns="" xmlns:adec="http://schemas.microsoft.com/office/drawing/2017/decorative" val="1"/>
+                <adec:decorative xmlns:adec="http://schemas.microsoft.com/office/drawing/2017/decorative" xmlns="" val="1"/>
               </a:ext>
             </a:extLst>
           </p:cNvPr>
@@ -3865,7 +3865,7 @@
           <p:nvPr>
             <p:extLst>
               <p:ext uri="{386F3935-93C4-4BCD-93E2-E3B085C9AB24}">
-                <p16:designElem xmlns="" xmlns:p16="http://schemas.microsoft.com/office/powerpoint/2015/main" val="1"/>
+                <p16:designElem xmlns:p16="http://schemas.microsoft.com/office/powerpoint/2015/main" xmlns="" val="1"/>
               </p:ext>
             </p:extLst>
           </p:nvPr>
@@ -3928,10 +3928,10 @@
           <p:cNvPr id="20" name="Rectangle 19">
             <a:extLst>
               <a:ext uri="{FF2B5EF4-FFF2-40B4-BE49-F238E27FC236}">
-                <a16:creationId xmlns="" xmlns:a16="http://schemas.microsoft.com/office/drawing/2014/main" id="{53947E58-F088-49F1-A3D1-DEA690192E84}"/>
+                <a16:creationId xmlns:a16="http://schemas.microsoft.com/office/drawing/2014/main" xmlns="" id="{53947E58-F088-49F1-A3D1-DEA690192E84}"/>
               </a:ext>
               <a:ext uri="{C183D7F6-B498-43B3-948B-1728B52AA6E4}">
-                <adec:decorative xmlns="" xmlns:adec="http://schemas.microsoft.com/office/drawing/2017/decorative" val="1"/>
+                <adec:decorative xmlns:adec="http://schemas.microsoft.com/office/drawing/2017/decorative" xmlns="" val="1"/>
               </a:ext>
             </a:extLst>
           </p:cNvPr>
@@ -3941,7 +3941,7 @@
           <p:nvPr>
             <p:extLst>
               <p:ext uri="{386F3935-93C4-4BCD-93E2-E3B085C9AB24}">
-                <p16:designElem xmlns="" xmlns:p16="http://schemas.microsoft.com/office/powerpoint/2015/main" val="1"/>
+                <p16:designElem xmlns:p16="http://schemas.microsoft.com/office/powerpoint/2015/main" xmlns="" val="1"/>
               </p:ext>
             </p:extLst>
           </p:nvPr>
@@ -4041,10 +4041,10 @@
           <p:cNvPr id="8" name="Rectangle 7">
             <a:extLst>
               <a:ext uri="{FF2B5EF4-FFF2-40B4-BE49-F238E27FC236}">
-                <a16:creationId xmlns="" xmlns:a16="http://schemas.microsoft.com/office/drawing/2014/main" id="{0E30439A-8A5B-46EC-8283-9B6B031D40D0}"/>
+                <a16:creationId xmlns:a16="http://schemas.microsoft.com/office/drawing/2014/main" xmlns="" id="{0E30439A-8A5B-46EC-8283-9B6B031D40D0}"/>
               </a:ext>
               <a:ext uri="{C183D7F6-B498-43B3-948B-1728B52AA6E4}">
-                <adec:decorative xmlns="" xmlns:adec="http://schemas.microsoft.com/office/drawing/2017/decorative" val="1"/>
+                <adec:decorative xmlns:adec="http://schemas.microsoft.com/office/drawing/2017/decorative" xmlns="" val="1"/>
               </a:ext>
             </a:extLst>
           </p:cNvPr>
@@ -4054,7 +4054,7 @@
           <p:nvPr>
             <p:extLst>
               <p:ext uri="{386F3935-93C4-4BCD-93E2-E3B085C9AB24}">
-                <p16:designElem xmlns="" xmlns:p16="http://schemas.microsoft.com/office/powerpoint/2015/main" val="1"/>
+                <p16:designElem xmlns:p16="http://schemas.microsoft.com/office/powerpoint/2015/main" xmlns="" val="1"/>
               </p:ext>
             </p:extLst>
           </p:nvPr>
@@ -4117,10 +4117,10 @@
           <p:cNvPr id="10" name="Rectangle 9">
             <a:extLst>
               <a:ext uri="{FF2B5EF4-FFF2-40B4-BE49-F238E27FC236}">
-                <a16:creationId xmlns="" xmlns:a16="http://schemas.microsoft.com/office/drawing/2014/main" id="{5CEAD642-85CF-4750-8432-7C80C901F001}"/>
+                <a16:creationId xmlns:a16="http://schemas.microsoft.com/office/drawing/2014/main" xmlns="" id="{5CEAD642-85CF-4750-8432-7C80C901F001}"/>
               </a:ext>
               <a:ext uri="{C183D7F6-B498-43B3-948B-1728B52AA6E4}">
-                <adec:decorative xmlns="" xmlns:adec="http://schemas.microsoft.com/office/drawing/2017/decorative" val="1"/>
+                <adec:decorative xmlns:adec="http://schemas.microsoft.com/office/drawing/2017/decorative" xmlns="" val="1"/>
               </a:ext>
             </a:extLst>
           </p:cNvPr>
@@ -4130,7 +4130,7 @@
           <p:nvPr>
             <p:extLst>
               <p:ext uri="{386F3935-93C4-4BCD-93E2-E3B085C9AB24}">
-                <p16:designElem xmlns="" xmlns:p16="http://schemas.microsoft.com/office/powerpoint/2015/main" val="1"/>
+                <p16:designElem xmlns:p16="http://schemas.microsoft.com/office/powerpoint/2015/main" xmlns="" val="1"/>
               </p:ext>
             </p:extLst>
           </p:nvPr>
@@ -4190,10 +4190,10 @@
           <p:cNvPr id="12" name="Rectangle 11">
             <a:extLst>
               <a:ext uri="{FF2B5EF4-FFF2-40B4-BE49-F238E27FC236}">
-                <a16:creationId xmlns="" xmlns:a16="http://schemas.microsoft.com/office/drawing/2014/main" id="{FA33EEAE-15D5-4119-8C1E-89D943F911EF}"/>
+                <a16:creationId xmlns:a16="http://schemas.microsoft.com/office/drawing/2014/main" xmlns="" id="{FA33EEAE-15D5-4119-8C1E-89D943F911EF}"/>
               </a:ext>
               <a:ext uri="{C183D7F6-B498-43B3-948B-1728B52AA6E4}">
-                <adec:decorative xmlns="" xmlns:adec="http://schemas.microsoft.com/office/drawing/2017/decorative" val="1"/>
+                <adec:decorative xmlns:adec="http://schemas.microsoft.com/office/drawing/2017/decorative" xmlns="" val="1"/>
               </a:ext>
             </a:extLst>
           </p:cNvPr>
@@ -4203,7 +4203,7 @@
           <p:nvPr>
             <p:extLst>
               <p:ext uri="{386F3935-93C4-4BCD-93E2-E3B085C9AB24}">
-                <p16:designElem xmlns="" xmlns:p16="http://schemas.microsoft.com/office/powerpoint/2015/main" val="1"/>
+                <p16:designElem xmlns:p16="http://schemas.microsoft.com/office/powerpoint/2015/main" xmlns="" val="1"/>
               </p:ext>
             </p:extLst>
           </p:nvPr>
@@ -4266,10 +4266,10 @@
           <p:cNvPr id="14" name="Rectangle 13">
             <a:extLst>
               <a:ext uri="{FF2B5EF4-FFF2-40B4-BE49-F238E27FC236}">
-                <a16:creationId xmlns="" xmlns:a16="http://schemas.microsoft.com/office/drawing/2014/main" id="{730D8B3B-9B80-4025-B934-26DC7D7CD231}"/>
+                <a16:creationId xmlns:a16="http://schemas.microsoft.com/office/drawing/2014/main" xmlns="" id="{730D8B3B-9B80-4025-B934-26DC7D7CD231}"/>
               </a:ext>
               <a:ext uri="{C183D7F6-B498-43B3-948B-1728B52AA6E4}">
-                <adec:decorative xmlns="" xmlns:adec="http://schemas.microsoft.com/office/drawing/2017/decorative" val="1"/>
+                <adec:decorative xmlns:adec="http://schemas.microsoft.com/office/drawing/2017/decorative" xmlns="" val="1"/>
               </a:ext>
             </a:extLst>
           </p:cNvPr>
@@ -4279,7 +4279,7 @@
           <p:nvPr>
             <p:extLst>
               <p:ext uri="{386F3935-93C4-4BCD-93E2-E3B085C9AB24}">
-                <p16:designElem xmlns="" xmlns:p16="http://schemas.microsoft.com/office/powerpoint/2015/main" val="1"/>
+                <p16:designElem xmlns:p16="http://schemas.microsoft.com/office/powerpoint/2015/main" xmlns="" val="1"/>
               </p:ext>
             </p:extLst>
           </p:nvPr>
@@ -4342,10 +4342,10 @@
           <p:cNvPr id="16" name="Oval 15">
             <a:extLst>
               <a:ext uri="{FF2B5EF4-FFF2-40B4-BE49-F238E27FC236}">
-                <a16:creationId xmlns="" xmlns:a16="http://schemas.microsoft.com/office/drawing/2014/main" id="{B5A1B09C-1565-46F8-B70F-621C5EB48A09}"/>
+                <a16:creationId xmlns:a16="http://schemas.microsoft.com/office/drawing/2014/main" xmlns="" id="{B5A1B09C-1565-46F8-B70F-621C5EB48A09}"/>
               </a:ext>
               <a:ext uri="{C183D7F6-B498-43B3-948B-1728B52AA6E4}">
-                <adec:decorative xmlns="" xmlns:adec="http://schemas.microsoft.com/office/drawing/2017/decorative" val="1"/>
+                <adec:decorative xmlns:adec="http://schemas.microsoft.com/office/drawing/2017/decorative" xmlns="" val="1"/>
               </a:ext>
             </a:extLst>
           </p:cNvPr>
@@ -4355,7 +4355,7 @@
           <p:nvPr>
             <p:extLst>
               <p:ext uri="{386F3935-93C4-4BCD-93E2-E3B085C9AB24}">
-                <p16:designElem xmlns="" xmlns:p16="http://schemas.microsoft.com/office/powerpoint/2015/main" val="1"/>
+                <p16:designElem xmlns:p16="http://schemas.microsoft.com/office/powerpoint/2015/main" xmlns="" val="1"/>
               </p:ext>
             </p:extLst>
           </p:nvPr>
@@ -4419,7 +4419,7 @@
           <p:cNvPr id="2" name="Заголовок 1">
             <a:extLst>
               <a:ext uri="{FF2B5EF4-FFF2-40B4-BE49-F238E27FC236}">
-                <a16:creationId xmlns="" xmlns:a16="http://schemas.microsoft.com/office/drawing/2014/main" id="{8CDA193B-7B4C-45A2-9E9E-6F95A11CD031}"/>
+                <a16:creationId xmlns:a16="http://schemas.microsoft.com/office/drawing/2014/main" xmlns="" id="{8CDA193B-7B4C-45A2-9E9E-6F95A11CD031}"/>
               </a:ext>
             </a:extLst>
           </p:cNvPr>
@@ -4464,7 +4464,7 @@
           <p:cNvPr id="3" name="Подзаголовок 2">
             <a:extLst>
               <a:ext uri="{FF2B5EF4-FFF2-40B4-BE49-F238E27FC236}">
-                <a16:creationId xmlns="" xmlns:a16="http://schemas.microsoft.com/office/drawing/2014/main" id="{EC40C0D6-C309-4F7E-9D70-46879DDC0A6C}"/>
+                <a16:creationId xmlns:a16="http://schemas.microsoft.com/office/drawing/2014/main" xmlns="" id="{EC40C0D6-C309-4F7E-9D70-46879DDC0A6C}"/>
               </a:ext>
             </a:extLst>
           </p:cNvPr>
@@ -4504,10 +4504,10 @@
           <p:cNvPr id="18" name="Rectangle 17">
             <a:extLst>
               <a:ext uri="{FF2B5EF4-FFF2-40B4-BE49-F238E27FC236}">
-                <a16:creationId xmlns="" xmlns:a16="http://schemas.microsoft.com/office/drawing/2014/main" id="{8C516CC8-80AC-446C-A56E-9F54B7210402}"/>
+                <a16:creationId xmlns:a16="http://schemas.microsoft.com/office/drawing/2014/main" xmlns="" id="{8C516CC8-80AC-446C-A56E-9F54B7210402}"/>
               </a:ext>
               <a:ext uri="{C183D7F6-B498-43B3-948B-1728B52AA6E4}">
-                <adec:decorative xmlns="" xmlns:adec="http://schemas.microsoft.com/office/drawing/2017/decorative" val="1"/>
+                <adec:decorative xmlns:adec="http://schemas.microsoft.com/office/drawing/2017/decorative" xmlns="" val="1"/>
               </a:ext>
             </a:extLst>
           </p:cNvPr>
@@ -4517,7 +4517,7 @@
           <p:nvPr>
             <p:extLst>
               <p:ext uri="{386F3935-93C4-4BCD-93E2-E3B085C9AB24}">
-                <p16:designElem xmlns="" xmlns:p16="http://schemas.microsoft.com/office/powerpoint/2015/main" val="1"/>
+                <p16:designElem xmlns:p16="http://schemas.microsoft.com/office/powerpoint/2015/main" xmlns="" val="1"/>
               </p:ext>
             </p:extLst>
           </p:nvPr>
@@ -4580,10 +4580,10 @@
           <p:cNvPr id="20" name="Rectangle 19">
             <a:extLst>
               <a:ext uri="{FF2B5EF4-FFF2-40B4-BE49-F238E27FC236}">
-                <a16:creationId xmlns="" xmlns:a16="http://schemas.microsoft.com/office/drawing/2014/main" id="{53947E58-F088-49F1-A3D1-DEA690192E84}"/>
+                <a16:creationId xmlns:a16="http://schemas.microsoft.com/office/drawing/2014/main" xmlns="" id="{53947E58-F088-49F1-A3D1-DEA690192E84}"/>
               </a:ext>
               <a:ext uri="{C183D7F6-B498-43B3-948B-1728B52AA6E4}">
-                <adec:decorative xmlns="" xmlns:adec="http://schemas.microsoft.com/office/drawing/2017/decorative" val="1"/>
+                <adec:decorative xmlns:adec="http://schemas.microsoft.com/office/drawing/2017/decorative" xmlns="" val="1"/>
               </a:ext>
             </a:extLst>
           </p:cNvPr>
@@ -4593,7 +4593,7 @@
           <p:nvPr>
             <p:extLst>
               <p:ext uri="{386F3935-93C4-4BCD-93E2-E3B085C9AB24}">
-                <p16:designElem xmlns="" xmlns:p16="http://schemas.microsoft.com/office/powerpoint/2015/main" val="1"/>
+                <p16:designElem xmlns:p16="http://schemas.microsoft.com/office/powerpoint/2015/main" xmlns="" val="1"/>
               </p:ext>
             </p:extLst>
           </p:nvPr>
@@ -4693,7 +4693,7 @@
           <p:cNvPr id="2" name="Заголовок 1">
             <a:extLst>
               <a:ext uri="{FF2B5EF4-FFF2-40B4-BE49-F238E27FC236}">
-                <a16:creationId xmlns="" xmlns:a16="http://schemas.microsoft.com/office/drawing/2014/main" id="{AD543DDF-7A9B-4183-B1CA-EF35B3D427E1}"/>
+                <a16:creationId xmlns:a16="http://schemas.microsoft.com/office/drawing/2014/main" xmlns="" id="{AD543DDF-7A9B-4183-B1CA-EF35B3D427E1}"/>
               </a:ext>
             </a:extLst>
           </p:cNvPr>
@@ -4721,7 +4721,7 @@
           <p:cNvPr id="3" name="Объект 2">
             <a:extLst>
               <a:ext uri="{FF2B5EF4-FFF2-40B4-BE49-F238E27FC236}">
-                <a16:creationId xmlns="" xmlns:a16="http://schemas.microsoft.com/office/drawing/2014/main" id="{47640674-FD81-43E6-88CA-58379728FFC2}"/>
+                <a16:creationId xmlns:a16="http://schemas.microsoft.com/office/drawing/2014/main" xmlns="" id="{47640674-FD81-43E6-88CA-58379728FFC2}"/>
               </a:ext>
             </a:extLst>
           </p:cNvPr>
@@ -4768,6 +4768,71 @@
           </a:p>
         </p:txBody>
       </p:sp>
+      <p:pic>
+        <p:nvPicPr>
+          <p:cNvPr id="2050" name="Picture 2" descr="Picture background"/>
+          <p:cNvPicPr>
+            <a:picLocks noChangeAspect="1" noChangeArrowheads="1"/>
+          </p:cNvPicPr>
+          <p:nvPr/>
+        </p:nvPicPr>
+        <p:blipFill>
+          <a:blip r:embed="rId2" cstate="print">
+            <a:extLst>
+              <a:ext uri="{28A0092B-C50C-407E-A947-70E740481C1C}">
+                <a14:useLocalDpi xmlns:a14="http://schemas.microsoft.com/office/drawing/2010/main" val="0"/>
+              </a:ext>
+            </a:extLst>
+          </a:blip>
+          <a:srcRect/>
+          <a:stretch>
+            <a:fillRect/>
+          </a:stretch>
+        </p:blipFill>
+        <p:spPr bwMode="auto">
+          <a:xfrm>
+            <a:off x="6638754" y="1452123"/>
+            <a:ext cx="1655806" cy="1990949"/>
+          </a:xfrm>
+          <a:prstGeom prst="rect">
+            <a:avLst/>
+          </a:prstGeom>
+          <a:noFill/>
+          <a:extLst>
+            <a:ext uri="{909E8E84-426E-40DD-AFC4-6F175D3DCCD1}">
+              <a14:hiddenFill xmlns:a14="http://schemas.microsoft.com/office/drawing/2010/main">
+                <a:solidFill>
+                  <a:srgbClr val="FFFFFF"/>
+                </a:solidFill>
+              </a14:hiddenFill>
+            </a:ext>
+          </a:extLst>
+        </p:spPr>
+      </p:pic>
+      <p:pic>
+        <p:nvPicPr>
+          <p:cNvPr id="4" name="Picture 3"/>
+          <p:cNvPicPr>
+            <a:picLocks noChangeAspect="1"/>
+          </p:cNvPicPr>
+          <p:nvPr/>
+        </p:nvPicPr>
+        <p:blipFill>
+          <a:blip r:embed="rId3"/>
+          <a:stretch>
+            <a:fillRect/>
+          </a:stretch>
+        </p:blipFill>
+        <p:spPr>
+          <a:xfrm>
+            <a:off x="8601242" y="3218112"/>
+            <a:ext cx="2107947" cy="2107947"/>
+          </a:xfrm>
+          <a:prstGeom prst="rect">
+            <a:avLst/>
+          </a:prstGeom>
+        </p:spPr>
+      </p:pic>
     </p:spTree>
     <p:extLst>
       <p:ext uri="{BB962C8B-B14F-4D97-AF65-F5344CB8AC3E}">
@@ -4810,7 +4875,7 @@
           <p:cNvPr id="2" name="Заголовок 1">
             <a:extLst>
               <a:ext uri="{FF2B5EF4-FFF2-40B4-BE49-F238E27FC236}">
-                <a16:creationId xmlns="" xmlns:a16="http://schemas.microsoft.com/office/drawing/2014/main" id="{5A90850B-67AF-4FB4-9861-DD22F77D637A}"/>
+                <a16:creationId xmlns:a16="http://schemas.microsoft.com/office/drawing/2014/main" xmlns="" id="{5A90850B-67AF-4FB4-9861-DD22F77D637A}"/>
               </a:ext>
             </a:extLst>
           </p:cNvPr>
@@ -4838,7 +4903,7 @@
           <p:cNvPr id="3" name="Объект 2">
             <a:extLst>
               <a:ext uri="{FF2B5EF4-FFF2-40B4-BE49-F238E27FC236}">
-                <a16:creationId xmlns="" xmlns:a16="http://schemas.microsoft.com/office/drawing/2014/main" id="{CB71185C-11BE-4399-8105-929228215E7C}"/>
+                <a16:creationId xmlns:a16="http://schemas.microsoft.com/office/drawing/2014/main" xmlns="" id="{CB71185C-11BE-4399-8105-929228215E7C}"/>
               </a:ext>
             </a:extLst>
           </p:cNvPr>
@@ -4930,7 +4995,7 @@
           <p:cNvPr id="2" name="Заголовок 1">
             <a:extLst>
               <a:ext uri="{FF2B5EF4-FFF2-40B4-BE49-F238E27FC236}">
-                <a16:creationId xmlns="" xmlns:a16="http://schemas.microsoft.com/office/drawing/2014/main" id="{04692F02-AAB7-40AC-9491-B57E34B712E3}"/>
+                <a16:creationId xmlns:a16="http://schemas.microsoft.com/office/drawing/2014/main" xmlns="" id="{04692F02-AAB7-40AC-9491-B57E34B712E3}"/>
               </a:ext>
             </a:extLst>
           </p:cNvPr>
@@ -4958,7 +5023,7 @@
           <p:cNvPr id="3" name="Объект 2">
             <a:extLst>
               <a:ext uri="{FF2B5EF4-FFF2-40B4-BE49-F238E27FC236}">
-                <a16:creationId xmlns="" xmlns:a16="http://schemas.microsoft.com/office/drawing/2014/main" id="{73703229-CC90-4B0E-9066-294485D84664}"/>
+                <a16:creationId xmlns:a16="http://schemas.microsoft.com/office/drawing/2014/main" xmlns="" id="{73703229-CC90-4B0E-9066-294485D84664}"/>
               </a:ext>
             </a:extLst>
           </p:cNvPr>
@@ -4974,7 +5039,7 @@
           <a:bodyPr/>
           <a:lstStyle/>
           <a:p>
-            <a:pPr marL="0" indent="0">
+            <a:pPr marL="0" indent="0" algn="just">
               <a:buNone/>
             </a:pPr>
             <a:r>
@@ -4996,6 +5061,47 @@
           </a:p>
         </p:txBody>
       </p:sp>
+      <p:pic>
+        <p:nvPicPr>
+          <p:cNvPr id="4098" name="Picture 2" descr="Picture background"/>
+          <p:cNvPicPr>
+            <a:picLocks noChangeAspect="1" noChangeArrowheads="1"/>
+          </p:cNvPicPr>
+          <p:nvPr/>
+        </p:nvPicPr>
+        <p:blipFill>
+          <a:blip r:embed="rId2" cstate="print">
+            <a:extLst>
+              <a:ext uri="{28A0092B-C50C-407E-A947-70E740481C1C}">
+                <a14:useLocalDpi xmlns:a14="http://schemas.microsoft.com/office/drawing/2010/main" val="0"/>
+              </a:ext>
+            </a:extLst>
+          </a:blip>
+          <a:srcRect/>
+          <a:stretch>
+            <a:fillRect/>
+          </a:stretch>
+        </p:blipFill>
+        <p:spPr bwMode="auto">
+          <a:xfrm>
+            <a:off x="4644081" y="3223612"/>
+            <a:ext cx="2872388" cy="2872388"/>
+          </a:xfrm>
+          <a:prstGeom prst="rect">
+            <a:avLst/>
+          </a:prstGeom>
+          <a:noFill/>
+          <a:extLst>
+            <a:ext uri="{909E8E84-426E-40DD-AFC4-6F175D3DCCD1}">
+              <a14:hiddenFill xmlns:a14="http://schemas.microsoft.com/office/drawing/2010/main">
+                <a:solidFill>
+                  <a:srgbClr val="FFFFFF"/>
+                </a:solidFill>
+              </a14:hiddenFill>
+            </a:ext>
+          </a:extLst>
+        </p:spPr>
+      </p:pic>
     </p:spTree>
     <p:extLst>
       <p:ext uri="{BB962C8B-B14F-4D97-AF65-F5344CB8AC3E}">
@@ -5031,7 +5137,7 @@
           <p:cNvPr id="2" name="Заголовок 1">
             <a:extLst>
               <a:ext uri="{FF2B5EF4-FFF2-40B4-BE49-F238E27FC236}">
-                <a16:creationId xmlns="" xmlns:a16="http://schemas.microsoft.com/office/drawing/2014/main" id="{4622EDFF-C5AC-471C-92BB-1FEE1BABDFDF}"/>
+                <a16:creationId xmlns:a16="http://schemas.microsoft.com/office/drawing/2014/main" xmlns="" id="{4622EDFF-C5AC-471C-92BB-1FEE1BABDFDF}"/>
               </a:ext>
             </a:extLst>
           </p:cNvPr>
@@ -5059,7 +5165,7 @@
           <p:cNvPr id="5" name="Объект 4">
             <a:extLst>
               <a:ext uri="{FF2B5EF4-FFF2-40B4-BE49-F238E27FC236}">
-                <a16:creationId xmlns="" xmlns:a16="http://schemas.microsoft.com/office/drawing/2014/main" id="{1AFF35CC-EBBB-4658-A08F-FBA0E726CA32}"/>
+                <a16:creationId xmlns:a16="http://schemas.microsoft.com/office/drawing/2014/main" xmlns="" id="{1AFF35CC-EBBB-4658-A08F-FBA0E726CA32}"/>
               </a:ext>
             </a:extLst>
           </p:cNvPr>
@@ -5077,7 +5183,7 @@
                 <a14:useLocalDpi xmlns:a14="http://schemas.microsoft.com/office/drawing/2010/main" val="0"/>
               </a:ext>
               <a:ext uri="{96DAC541-7B7A-43D3-8B79-37D633B846F1}">
-                <asvg:svgBlip xmlns="" xmlns:asvg="http://schemas.microsoft.com/office/drawing/2016/SVG/main" r:embed="rId3"/>
+                <asvg:svgBlip xmlns:asvg="http://schemas.microsoft.com/office/drawing/2016/SVG/main" xmlns="" r:embed="rId3"/>
               </a:ext>
             </a:extLst>
           </a:blip>
@@ -5110,7 +5216,7 @@
           <p:cNvPr id="6" name="TextBox 5">
             <a:extLst>
               <a:ext uri="{FF2B5EF4-FFF2-40B4-BE49-F238E27FC236}">
-                <a16:creationId xmlns="" xmlns:a16="http://schemas.microsoft.com/office/drawing/2014/main" id="{44C92FF1-9F07-4F6C-B0C0-874D68BFE707}"/>
+                <a16:creationId xmlns:a16="http://schemas.microsoft.com/office/drawing/2014/main" xmlns="" id="{44C92FF1-9F07-4F6C-B0C0-874D68BFE707}"/>
               </a:ext>
             </a:extLst>
           </p:cNvPr>
@@ -5146,7 +5252,7 @@
           <p:cNvPr id="8" name="Рисунок 7">
             <a:extLst>
               <a:ext uri="{FF2B5EF4-FFF2-40B4-BE49-F238E27FC236}">
-                <a16:creationId xmlns="" xmlns:a16="http://schemas.microsoft.com/office/drawing/2014/main" id="{2822726B-ED21-4302-90F9-9A443CBA5972}"/>
+                <a16:creationId xmlns:a16="http://schemas.microsoft.com/office/drawing/2014/main" xmlns="" id="{2822726B-ED21-4302-90F9-9A443CBA5972}"/>
               </a:ext>
             </a:extLst>
           </p:cNvPr>
@@ -5162,7 +5268,7 @@
                 <a14:useLocalDpi xmlns:a14="http://schemas.microsoft.com/office/drawing/2010/main" val="0"/>
               </a:ext>
               <a:ext uri="{96DAC541-7B7A-43D3-8B79-37D633B846F1}">
-                <asvg:svgBlip xmlns="" xmlns:asvg="http://schemas.microsoft.com/office/drawing/2016/SVG/main" r:embed="rId5"/>
+                <asvg:svgBlip xmlns:asvg="http://schemas.microsoft.com/office/drawing/2016/SVG/main" xmlns="" r:embed="rId5"/>
               </a:ext>
             </a:extLst>
           </a:blip>
@@ -5195,7 +5301,7 @@
           <p:cNvPr id="11" name="Рисунок 10">
             <a:extLst>
               <a:ext uri="{FF2B5EF4-FFF2-40B4-BE49-F238E27FC236}">
-                <a16:creationId xmlns="" xmlns:a16="http://schemas.microsoft.com/office/drawing/2014/main" id="{618BF0B6-B604-4B73-8245-3739A0D2B5BC}"/>
+                <a16:creationId xmlns:a16="http://schemas.microsoft.com/office/drawing/2014/main" xmlns="" id="{618BF0B6-B604-4B73-8245-3739A0D2B5BC}"/>
               </a:ext>
             </a:extLst>
           </p:cNvPr>
@@ -5211,7 +5317,7 @@
                 <a14:useLocalDpi xmlns:a14="http://schemas.microsoft.com/office/drawing/2010/main" val="0"/>
               </a:ext>
               <a:ext uri="{96DAC541-7B7A-43D3-8B79-37D633B846F1}">
-                <asvg:svgBlip xmlns="" xmlns:asvg="http://schemas.microsoft.com/office/drawing/2016/SVG/main" r:embed="rId7"/>
+                <asvg:svgBlip xmlns:asvg="http://schemas.microsoft.com/office/drawing/2016/SVG/main" xmlns="" r:embed="rId7"/>
               </a:ext>
             </a:extLst>
           </a:blip>
@@ -5244,7 +5350,7 @@
           <p:cNvPr id="12" name="TextBox 11">
             <a:extLst>
               <a:ext uri="{FF2B5EF4-FFF2-40B4-BE49-F238E27FC236}">
-                <a16:creationId xmlns="" xmlns:a16="http://schemas.microsoft.com/office/drawing/2014/main" id="{5A6E0B28-6BAE-4ABA-A8A9-48E9CD829695}"/>
+                <a16:creationId xmlns:a16="http://schemas.microsoft.com/office/drawing/2014/main" xmlns="" id="{5A6E0B28-6BAE-4ABA-A8A9-48E9CD829695}"/>
               </a:ext>
             </a:extLst>
           </p:cNvPr>
@@ -5310,7 +5416,7 @@
           <p:cNvPr id="2" name="Заголовок 1">
             <a:extLst>
               <a:ext uri="{FF2B5EF4-FFF2-40B4-BE49-F238E27FC236}">
-                <a16:creationId xmlns="" xmlns:a16="http://schemas.microsoft.com/office/drawing/2014/main" id="{EE6AC94F-51C7-417E-AFA5-64895F5C5064}"/>
+                <a16:creationId xmlns:a16="http://schemas.microsoft.com/office/drawing/2014/main" xmlns="" id="{EE6AC94F-51C7-417E-AFA5-64895F5C5064}"/>
               </a:ext>
             </a:extLst>
           </p:cNvPr>
@@ -5339,7 +5445,7 @@
           <p:cNvPr id="3" name="Объект 2">
             <a:extLst>
               <a:ext uri="{FF2B5EF4-FFF2-40B4-BE49-F238E27FC236}">
-                <a16:creationId xmlns="" xmlns:a16="http://schemas.microsoft.com/office/drawing/2014/main" id="{7764F207-B216-4093-A744-657617E4B95F}"/>
+                <a16:creationId xmlns:a16="http://schemas.microsoft.com/office/drawing/2014/main" xmlns="" id="{7764F207-B216-4093-A744-657617E4B95F}"/>
               </a:ext>
             </a:extLst>
           </p:cNvPr>
@@ -5355,7 +5461,7 @@
           <a:bodyPr/>
           <a:lstStyle/>
           <a:p>
-            <a:pPr marL="0" indent="0">
+            <a:pPr marL="0" indent="0" algn="just">
               <a:buNone/>
             </a:pPr>
             <a:r>
@@ -5386,7 +5492,7 @@
           <p:cNvPr id="5" name="Рисунок 4">
             <a:extLst>
               <a:ext uri="{FF2B5EF4-FFF2-40B4-BE49-F238E27FC236}">
-                <a16:creationId xmlns="" xmlns:a16="http://schemas.microsoft.com/office/drawing/2014/main" id="{9C9CA286-2AC9-4B5D-90E7-D719DFBECAF7}"/>
+                <a16:creationId xmlns:a16="http://schemas.microsoft.com/office/drawing/2014/main" xmlns="" id="{9C9CA286-2AC9-4B5D-90E7-D719DFBECAF7}"/>
               </a:ext>
             </a:extLst>
           </p:cNvPr>
@@ -5402,7 +5508,7 @@
                 <a14:useLocalDpi xmlns:a14="http://schemas.microsoft.com/office/drawing/2010/main" val="0"/>
               </a:ext>
               <a:ext uri="{96DAC541-7B7A-43D3-8B79-37D633B846F1}">
-                <asvg:svgBlip xmlns="" xmlns:asvg="http://schemas.microsoft.com/office/drawing/2016/SVG/main" r:embed="rId3"/>
+                <asvg:svgBlip xmlns:asvg="http://schemas.microsoft.com/office/drawing/2016/SVG/main" xmlns="" r:embed="rId3"/>
               </a:ext>
             </a:extLst>
           </a:blip>
@@ -5435,7 +5541,7 @@
           <p:cNvPr id="7" name="Рисунок 6">
             <a:extLst>
               <a:ext uri="{FF2B5EF4-FFF2-40B4-BE49-F238E27FC236}">
-                <a16:creationId xmlns="" xmlns:a16="http://schemas.microsoft.com/office/drawing/2014/main" id="{DE2F69D7-923A-4EAA-92A4-34D3D069C64F}"/>
+                <a16:creationId xmlns:a16="http://schemas.microsoft.com/office/drawing/2014/main" xmlns="" id="{DE2F69D7-923A-4EAA-92A4-34D3D069C64F}"/>
               </a:ext>
             </a:extLst>
           </p:cNvPr>
@@ -5451,7 +5557,7 @@
                 <a14:useLocalDpi xmlns:a14="http://schemas.microsoft.com/office/drawing/2010/main" val="0"/>
               </a:ext>
               <a:ext uri="{96DAC541-7B7A-43D3-8B79-37D633B846F1}">
-                <asvg:svgBlip xmlns="" xmlns:asvg="http://schemas.microsoft.com/office/drawing/2016/SVG/main" r:embed="rId5"/>
+                <asvg:svgBlip xmlns:asvg="http://schemas.microsoft.com/office/drawing/2016/SVG/main" xmlns="" r:embed="rId5"/>
               </a:ext>
             </a:extLst>
           </a:blip>
@@ -5514,7 +5620,7 @@
           <p:cNvPr id="2" name="Заголовок 1">
             <a:extLst>
               <a:ext uri="{FF2B5EF4-FFF2-40B4-BE49-F238E27FC236}">
-                <a16:creationId xmlns="" xmlns:a16="http://schemas.microsoft.com/office/drawing/2014/main" id="{39FCFA51-EA99-430D-B667-96FAE44CFAEE}"/>
+                <a16:creationId xmlns:a16="http://schemas.microsoft.com/office/drawing/2014/main" xmlns="" id="{39FCFA51-EA99-430D-B667-96FAE44CFAEE}"/>
               </a:ext>
             </a:extLst>
           </p:cNvPr>
@@ -5542,7 +5648,7 @@
           <p:cNvPr id="5" name="Рисунок 4">
             <a:extLst>
               <a:ext uri="{FF2B5EF4-FFF2-40B4-BE49-F238E27FC236}">
-                <a16:creationId xmlns="" xmlns:a16="http://schemas.microsoft.com/office/drawing/2014/main" id="{4A86DBE2-4656-47CE-BA78-79DFDEBC3411}"/>
+                <a16:creationId xmlns:a16="http://schemas.microsoft.com/office/drawing/2014/main" xmlns="" id="{4A86DBE2-4656-47CE-BA78-79DFDEBC3411}"/>
               </a:ext>
             </a:extLst>
           </p:cNvPr>
@@ -5613,7 +5719,7 @@
           <p:cNvPr id="2" name="Заголовок 1">
             <a:extLst>
               <a:ext uri="{FF2B5EF4-FFF2-40B4-BE49-F238E27FC236}">
-                <a16:creationId xmlns="" xmlns:a16="http://schemas.microsoft.com/office/drawing/2014/main" id="{F52C98FB-3084-48EF-8714-F00880DE7C7D}"/>
+                <a16:creationId xmlns:a16="http://schemas.microsoft.com/office/drawing/2014/main" xmlns="" id="{F52C98FB-3084-48EF-8714-F00880DE7C7D}"/>
               </a:ext>
             </a:extLst>
           </p:cNvPr>
@@ -5636,325 +5742,261 @@
           </a:p>
         </p:txBody>
       </p:sp>
+      <p:sp>
+        <p:nvSpPr>
+          <p:cNvPr id="3" name="TextBox 2"/>
+          <p:cNvSpPr txBox="1"/>
+          <p:nvPr/>
+        </p:nvSpPr>
+        <p:spPr>
+          <a:xfrm>
+            <a:off x="672316" y="1591163"/>
+            <a:ext cx="1717906" cy="369332"/>
+          </a:xfrm>
+          <a:prstGeom prst="rect">
+            <a:avLst/>
+          </a:prstGeom>
+          <a:noFill/>
+        </p:spPr>
+        <p:txBody>
+          <a:bodyPr wrap="none" rtlCol="0">
+            <a:spAutoFit/>
+          </a:bodyPr>
+          <a:lstStyle/>
+          <a:p>
+            <a:r>
+              <a:rPr lang="ru-RU" dirty="0" smtClean="0"/>
+              <a:t>Вход в аккаунт</a:t>
+            </a:r>
+            <a:endParaRPr lang="ru-RU" dirty="0"/>
+          </a:p>
+        </p:txBody>
+      </p:sp>
+      <p:sp>
+        <p:nvSpPr>
+          <p:cNvPr id="10" name="TextBox 9"/>
+          <p:cNvSpPr txBox="1"/>
+          <p:nvPr/>
+        </p:nvSpPr>
+        <p:spPr>
+          <a:xfrm>
+            <a:off x="3912338" y="1558534"/>
+            <a:ext cx="2504596" cy="369332"/>
+          </a:xfrm>
+          <a:prstGeom prst="rect">
+            <a:avLst/>
+          </a:prstGeom>
+          <a:noFill/>
+        </p:spPr>
+        <p:txBody>
+          <a:bodyPr wrap="none" rtlCol="0">
+            <a:spAutoFit/>
+          </a:bodyPr>
+          <a:lstStyle/>
+          <a:p>
+            <a:r>
+              <a:rPr lang="ru-RU" dirty="0" smtClean="0"/>
+              <a:t>Интерфейс сотрудника</a:t>
+            </a:r>
+            <a:endParaRPr lang="ru-RU" dirty="0"/>
+          </a:p>
+        </p:txBody>
+      </p:sp>
+      <p:sp>
+        <p:nvSpPr>
+          <p:cNvPr id="12" name="TextBox 11"/>
+          <p:cNvSpPr txBox="1"/>
+          <p:nvPr/>
+        </p:nvSpPr>
+        <p:spPr>
+          <a:xfrm>
+            <a:off x="8686042" y="1562779"/>
+            <a:ext cx="2283895" cy="369332"/>
+          </a:xfrm>
+          <a:prstGeom prst="rect">
+            <a:avLst/>
+          </a:prstGeom>
+          <a:noFill/>
+        </p:spPr>
+        <p:txBody>
+          <a:bodyPr wrap="none" rtlCol="0">
+            <a:spAutoFit/>
+          </a:bodyPr>
+          <a:lstStyle/>
+          <a:p>
+            <a:r>
+              <a:rPr lang="ru-RU" dirty="0" smtClean="0"/>
+              <a:t>Интерфейс </a:t>
+            </a:r>
+            <a:r>
+              <a:rPr lang="ru-RU" dirty="0" smtClean="0"/>
+              <a:t>студента</a:t>
+            </a:r>
+            <a:endParaRPr lang="ru-RU" dirty="0"/>
+          </a:p>
+        </p:txBody>
+      </p:sp>
       <p:pic>
         <p:nvPicPr>
-          <p:cNvPr id="5" name="Рисунок 4">
-            <a:extLst>
-              <a:ext uri="{FF2B5EF4-FFF2-40B4-BE49-F238E27FC236}">
-                <a16:creationId xmlns="" xmlns:a16="http://schemas.microsoft.com/office/drawing/2014/main" id="{E00E6249-9C4E-4BDC-B5A1-B3BE68665254}"/>
-              </a:ext>
-            </a:extLst>
-          </p:cNvPr>
+          <p:cNvPr id="8" name="Picture 7"/>
           <p:cNvPicPr>
             <a:picLocks noChangeAspect="1"/>
           </p:cNvPicPr>
           <p:nvPr/>
         </p:nvPicPr>
         <p:blipFill>
-          <a:blip r:embed="rId2" cstate="print">
-            <a:extLst>
-              <a:ext uri="{28A0092B-C50C-407E-A947-70E740481C1C}">
-                <a14:useLocalDpi xmlns:a14="http://schemas.microsoft.com/office/drawing/2010/main" val="0"/>
-              </a:ext>
-            </a:extLst>
-          </a:blip>
+          <a:blip r:embed="rId2"/>
           <a:stretch>
             <a:fillRect/>
           </a:stretch>
         </p:blipFill>
         <p:spPr>
           <a:xfrm>
-            <a:off x="875808" y="2023932"/>
-            <a:ext cx="2059574" cy="4576830"/>
+            <a:off x="7671124" y="1941572"/>
+            <a:ext cx="2098952" cy="4421306"/>
           </a:xfrm>
           <a:prstGeom prst="rect">
             <a:avLst/>
           </a:prstGeom>
-          <a:ln>
-            <a:noFill/>
-          </a:ln>
-          <a:effectLst>
-            <a:outerShdw blurRad="292100" dist="139700" dir="2700000" algn="tl" rotWithShape="0">
-              <a:srgbClr val="333333">
-                <a:alpha val="65000"/>
-              </a:srgbClr>
-            </a:outerShdw>
-          </a:effectLst>
         </p:spPr>
       </p:pic>
       <p:pic>
         <p:nvPicPr>
-          <p:cNvPr id="7" name="Рисунок 6">
-            <a:extLst>
-              <a:ext uri="{FF2B5EF4-FFF2-40B4-BE49-F238E27FC236}">
-                <a16:creationId xmlns="" xmlns:a16="http://schemas.microsoft.com/office/drawing/2014/main" id="{79A5C2E0-FD51-4338-ACBC-474D87FF3315}"/>
-              </a:ext>
-            </a:extLst>
-          </p:cNvPr>
+          <p:cNvPr id="13" name="Picture 12"/>
           <p:cNvPicPr>
             <a:picLocks noChangeAspect="1"/>
           </p:cNvPicPr>
           <p:nvPr/>
         </p:nvPicPr>
         <p:blipFill>
-          <a:blip r:embed="rId3" cstate="print">
-            <a:extLst>
-              <a:ext uri="{28A0092B-C50C-407E-A947-70E740481C1C}">
-                <a14:useLocalDpi xmlns:a14="http://schemas.microsoft.com/office/drawing/2010/main" val="0"/>
-              </a:ext>
-            </a:extLst>
-          </a:blip>
+          <a:blip r:embed="rId3"/>
           <a:stretch>
             <a:fillRect/>
           </a:stretch>
         </p:blipFill>
         <p:spPr>
           <a:xfrm>
-            <a:off x="9683784" y="2029913"/>
-            <a:ext cx="2059574" cy="4576831"/>
+            <a:off x="9770076" y="1960495"/>
+            <a:ext cx="2206910" cy="4413820"/>
           </a:xfrm>
           <a:prstGeom prst="rect">
             <a:avLst/>
           </a:prstGeom>
-          <a:ln>
-            <a:noFill/>
-          </a:ln>
-          <a:effectLst>
-            <a:outerShdw blurRad="292100" dist="139700" dir="2700000" algn="tl" rotWithShape="0">
-              <a:srgbClr val="333333">
-                <a:alpha val="65000"/>
-              </a:srgbClr>
-            </a:outerShdw>
-          </a:effectLst>
         </p:spPr>
       </p:pic>
       <p:pic>
         <p:nvPicPr>
-          <p:cNvPr id="9" name="Рисунок 8">
-            <a:extLst>
-              <a:ext uri="{FF2B5EF4-FFF2-40B4-BE49-F238E27FC236}">
-                <a16:creationId xmlns="" xmlns:a16="http://schemas.microsoft.com/office/drawing/2014/main" id="{F6268259-B29A-4B5D-8CCB-39E05076CDA7}"/>
-              </a:ext>
-            </a:extLst>
-          </p:cNvPr>
+          <p:cNvPr id="15" name="Picture 14"/>
           <p:cNvPicPr>
             <a:picLocks noChangeAspect="1"/>
           </p:cNvPicPr>
           <p:nvPr/>
         </p:nvPicPr>
         <p:blipFill>
-          <a:blip r:embed="rId4" cstate="print">
-            <a:extLst>
-              <a:ext uri="{28A0092B-C50C-407E-A947-70E740481C1C}">
-                <a14:useLocalDpi xmlns:a14="http://schemas.microsoft.com/office/drawing/2010/main" val="0"/>
-              </a:ext>
-            </a:extLst>
-          </a:blip>
+          <a:blip r:embed="rId4"/>
           <a:stretch>
             <a:fillRect/>
           </a:stretch>
         </p:blipFill>
         <p:spPr>
           <a:xfrm>
-            <a:off x="3510442" y="2029912"/>
-            <a:ext cx="2059575" cy="4576832"/>
+            <a:off x="2756601" y="1960495"/>
+            <a:ext cx="2311475" cy="4413820"/>
           </a:xfrm>
           <a:prstGeom prst="rect">
             <a:avLst/>
           </a:prstGeom>
-          <a:ln>
-            <a:noFill/>
-          </a:ln>
-          <a:effectLst>
-            <a:outerShdw blurRad="292100" dist="139700" dir="2700000" algn="tl" rotWithShape="0">
-              <a:srgbClr val="333333">
-                <a:alpha val="65000"/>
-              </a:srgbClr>
-            </a:outerShdw>
-          </a:effectLst>
         </p:spPr>
       </p:pic>
       <p:pic>
         <p:nvPicPr>
-          <p:cNvPr id="11" name="Рисунок 10">
-            <a:extLst>
-              <a:ext uri="{FF2B5EF4-FFF2-40B4-BE49-F238E27FC236}">
-                <a16:creationId xmlns="" xmlns:a16="http://schemas.microsoft.com/office/drawing/2014/main" id="{BA9AC64F-2522-4734-8BA3-6ECC32B1F936}"/>
-              </a:ext>
-            </a:extLst>
-          </p:cNvPr>
+          <p:cNvPr id="16" name="Picture 15"/>
           <p:cNvPicPr>
             <a:picLocks noChangeAspect="1"/>
           </p:cNvPicPr>
           <p:nvPr/>
         </p:nvPicPr>
         <p:blipFill>
-          <a:blip r:embed="rId5" cstate="print">
-            <a:extLst>
-              <a:ext uri="{28A0092B-C50C-407E-A947-70E740481C1C}">
-                <a14:useLocalDpi xmlns:a14="http://schemas.microsoft.com/office/drawing/2010/main" val="0"/>
-              </a:ext>
-            </a:extLst>
-          </a:blip>
+          <a:blip r:embed="rId5"/>
           <a:stretch>
             <a:fillRect/>
           </a:stretch>
         </p:blipFill>
         <p:spPr>
           <a:xfrm>
-            <a:off x="5586493" y="2023932"/>
-            <a:ext cx="2060590" cy="4579088"/>
+            <a:off x="5120823" y="1949058"/>
+            <a:ext cx="2311475" cy="4413820"/>
           </a:xfrm>
           <a:prstGeom prst="rect">
             <a:avLst/>
           </a:prstGeom>
-          <a:ln>
-            <a:noFill/>
-          </a:ln>
-          <a:effectLst>
-            <a:outerShdw blurRad="292100" dist="139700" dir="2700000" algn="tl" rotWithShape="0">
-              <a:srgbClr val="333333">
-                <a:alpha val="65000"/>
-              </a:srgbClr>
-            </a:outerShdw>
-          </a:effectLst>
         </p:spPr>
       </p:pic>
-      <p:sp>
-        <p:nvSpPr>
-          <p:cNvPr id="3" name="TextBox 2"/>
-          <p:cNvSpPr txBox="1"/>
+      <p:pic>
+        <p:nvPicPr>
+          <p:cNvPr id="17" name="Picture 16"/>
+          <p:cNvPicPr>
+            <a:picLocks noChangeAspect="1"/>
+          </p:cNvPicPr>
           <p:nvPr/>
-        </p:nvSpPr>
+        </p:nvPicPr>
+        <p:blipFill>
+          <a:blip r:embed="rId6"/>
+          <a:stretch>
+            <a:fillRect/>
+          </a:stretch>
+        </p:blipFill>
         <p:spPr>
           <a:xfrm>
-            <a:off x="1070074" y="1596628"/>
-            <a:ext cx="1717906" cy="369332"/>
+            <a:off x="306002" y="1964446"/>
+            <a:ext cx="2292897" cy="4409869"/>
+          </a:xfrm>
+          <a:prstGeom prst="rect">
+            <a:avLst/>
+          </a:prstGeom>
+        </p:spPr>
+      </p:pic>
+      <p:pic>
+        <p:nvPicPr>
+          <p:cNvPr id="1026" name="Picture 2" descr="Picture background"/>
+          <p:cNvPicPr>
+            <a:picLocks noChangeAspect="1" noChangeArrowheads="1"/>
+          </p:cNvPicPr>
+          <p:nvPr/>
+        </p:nvPicPr>
+        <p:blipFill>
+          <a:blip r:embed="rId7" cstate="print">
+            <a:extLst>
+              <a:ext uri="{28A0092B-C50C-407E-A947-70E740481C1C}">
+                <a14:useLocalDpi xmlns:a14="http://schemas.microsoft.com/office/drawing/2010/main" val="0"/>
+              </a:ext>
+            </a:extLst>
+          </a:blip>
+          <a:srcRect/>
+          <a:stretch>
+            <a:fillRect/>
+          </a:stretch>
+        </p:blipFill>
+        <p:spPr bwMode="auto">
+          <a:xfrm>
+            <a:off x="5474001" y="2666672"/>
+            <a:ext cx="1605118" cy="1500733"/>
           </a:xfrm>
           <a:prstGeom prst="rect">
             <a:avLst/>
           </a:prstGeom>
           <a:noFill/>
-        </p:spPr>
-        <p:txBody>
-          <a:bodyPr wrap="none" rtlCol="0">
-            <a:spAutoFit/>
-          </a:bodyPr>
-          <a:lstStyle/>
-          <a:p>
-            <a:r>
-              <a:rPr lang="ru-RU" dirty="0" smtClean="0"/>
-              <a:t>Вход в аккаунт</a:t>
-            </a:r>
-            <a:endParaRPr lang="ru-RU" dirty="0"/>
-          </a:p>
-        </p:txBody>
-      </p:sp>
-      <p:sp>
-        <p:nvSpPr>
-          <p:cNvPr id="10" name="TextBox 9"/>
-          <p:cNvSpPr txBox="1"/>
-          <p:nvPr/>
-        </p:nvSpPr>
-        <p:spPr>
-          <a:xfrm>
-            <a:off x="4317719" y="1595115"/>
-            <a:ext cx="2504596" cy="369332"/>
-          </a:xfrm>
-          <a:prstGeom prst="rect">
-            <a:avLst/>
-          </a:prstGeom>
-          <a:noFill/>
-        </p:spPr>
-        <p:txBody>
-          <a:bodyPr wrap="none" rtlCol="0">
-            <a:spAutoFit/>
-          </a:bodyPr>
-          <a:lstStyle/>
-          <a:p>
-            <a:r>
-              <a:rPr lang="ru-RU" dirty="0" smtClean="0"/>
-              <a:t>Интерфейс сотрудника</a:t>
-            </a:r>
-            <a:endParaRPr lang="ru-RU" dirty="0"/>
-          </a:p>
-        </p:txBody>
-      </p:sp>
-      <p:sp>
-        <p:nvSpPr>
-          <p:cNvPr id="6" name="TextBox 5"/>
-          <p:cNvSpPr txBox="1"/>
-          <p:nvPr/>
-        </p:nvSpPr>
-        <p:spPr>
-          <a:xfrm>
-            <a:off x="5703683" y="4312347"/>
-            <a:ext cx="1920526" cy="646331"/>
-          </a:xfrm>
-          <a:prstGeom prst="rect">
-            <a:avLst/>
-          </a:prstGeom>
-          <a:noFill/>
-        </p:spPr>
-        <p:txBody>
-          <a:bodyPr wrap="none" rtlCol="0">
-            <a:spAutoFit/>
-          </a:bodyPr>
-          <a:lstStyle/>
-          <a:p>
-            <a:r>
-              <a:rPr lang="ru-RU" dirty="0" smtClean="0"/>
-              <a:t>Наведите камеру</a:t>
-            </a:r>
-            <a:br>
-              <a:rPr lang="ru-RU" dirty="0" smtClean="0"/>
-            </a:br>
-            <a:r>
-              <a:rPr lang="ru-RU" dirty="0" smtClean="0"/>
-              <a:t>на </a:t>
-            </a:r>
-            <a:r>
-              <a:rPr lang="en-US" dirty="0" smtClean="0"/>
-              <a:t>QR-</a:t>
-            </a:r>
-            <a:r>
-              <a:rPr lang="ru-RU" dirty="0" smtClean="0"/>
-              <a:t>код</a:t>
-            </a:r>
-            <a:endParaRPr lang="ru-RU" dirty="0"/>
-          </a:p>
-        </p:txBody>
-      </p:sp>
-      <p:sp>
-        <p:nvSpPr>
-          <p:cNvPr id="12" name="TextBox 11"/>
-          <p:cNvSpPr txBox="1"/>
-          <p:nvPr/>
-        </p:nvSpPr>
-        <p:spPr>
-          <a:xfrm>
-            <a:off x="9368137" y="1595115"/>
-            <a:ext cx="2504596" cy="369332"/>
-          </a:xfrm>
-          <a:prstGeom prst="rect">
-            <a:avLst/>
-          </a:prstGeom>
-          <a:noFill/>
-        </p:spPr>
-        <p:txBody>
-          <a:bodyPr wrap="none" rtlCol="0">
-            <a:spAutoFit/>
-          </a:bodyPr>
-          <a:lstStyle/>
-          <a:p>
-            <a:r>
-              <a:rPr lang="ru-RU" dirty="0" smtClean="0"/>
-              <a:t>Интерфейс сотрудника</a:t>
-            </a:r>
-            <a:endParaRPr lang="ru-RU" dirty="0"/>
-          </a:p>
-        </p:txBody>
-      </p:sp>
+          <a:extLst>
+            <a:ext uri="{909E8E84-426E-40DD-AFC4-6F175D3DCCD1}">
+              <a14:hiddenFill xmlns:a14="http://schemas.microsoft.com/office/drawing/2010/main">
+                <a:solidFill>
+                  <a:srgbClr val="FFFFFF"/>
+                </a:solidFill>
+              </a14:hiddenFill>
+            </a:ext>
+          </a:extLst>
+        </p:spPr>
+      </p:pic>
     </p:spTree>
     <p:extLst>
       <p:ext uri="{BB962C8B-B14F-4D97-AF65-F5344CB8AC3E}">
@@ -5990,7 +6032,7 @@
           <p:cNvPr id="2" name="Заголовок 1">
             <a:extLst>
               <a:ext uri="{FF2B5EF4-FFF2-40B4-BE49-F238E27FC236}">
-                <a16:creationId xmlns="" xmlns:a16="http://schemas.microsoft.com/office/drawing/2014/main" id="{F3603E47-D708-49FA-831B-921C437EC696}"/>
+                <a16:creationId xmlns:a16="http://schemas.microsoft.com/office/drawing/2014/main" xmlns="" id="{F3603E47-D708-49FA-831B-921C437EC696}"/>
               </a:ext>
             </a:extLst>
           </p:cNvPr>
@@ -6018,7 +6060,7 @@
           <p:cNvPr id="3" name="Объект 2">
             <a:extLst>
               <a:ext uri="{FF2B5EF4-FFF2-40B4-BE49-F238E27FC236}">
-                <a16:creationId xmlns="" xmlns:a16="http://schemas.microsoft.com/office/drawing/2014/main" id="{2F673ADE-1D4A-4651-B0D5-8E4C580B977C}"/>
+                <a16:creationId xmlns:a16="http://schemas.microsoft.com/office/drawing/2014/main" xmlns="" id="{2F673ADE-1D4A-4651-B0D5-8E4C580B977C}"/>
               </a:ext>
             </a:extLst>
           </p:cNvPr>
@@ -6034,7 +6076,7 @@
           <a:bodyPr/>
           <a:lstStyle/>
           <a:p>
-            <a:pPr marL="0" indent="0">
+            <a:pPr marL="0" indent="0" algn="just">
               <a:buNone/>
             </a:pPr>
             <a:r>
@@ -6065,6 +6107,77 @@
               <a:rPr lang="ru-RU" dirty="0"/>
               <a:t>. Для обеспечения большей безопасности к входным данным добавляется строка или «соль» до процесса хеширования.</a:t>
             </a:r>
+          </a:p>
+        </p:txBody>
+      </p:sp>
+      <p:pic>
+        <p:nvPicPr>
+          <p:cNvPr id="3074" name="Picture 2" descr="Picture background"/>
+          <p:cNvPicPr>
+            <a:picLocks noChangeAspect="1" noChangeArrowheads="1"/>
+          </p:cNvPicPr>
+          <p:nvPr/>
+        </p:nvPicPr>
+        <p:blipFill>
+          <a:blip r:embed="rId2" cstate="print">
+            <a:extLst>
+              <a:ext uri="{28A0092B-C50C-407E-A947-70E740481C1C}">
+                <a14:useLocalDpi xmlns:a14="http://schemas.microsoft.com/office/drawing/2010/main" val="0"/>
+              </a:ext>
+            </a:extLst>
+          </a:blip>
+          <a:srcRect/>
+          <a:stretch>
+            <a:fillRect/>
+          </a:stretch>
+        </p:blipFill>
+        <p:spPr bwMode="auto">
+          <a:xfrm>
+            <a:off x="4996069" y="3320833"/>
+            <a:ext cx="1511733" cy="1511733"/>
+          </a:xfrm>
+          <a:prstGeom prst="rect">
+            <a:avLst/>
+          </a:prstGeom>
+          <a:noFill/>
+          <a:extLst>
+            <a:ext uri="{909E8E84-426E-40DD-AFC4-6F175D3DCCD1}">
+              <a14:hiddenFill xmlns:a14="http://schemas.microsoft.com/office/drawing/2010/main">
+                <a:solidFill>
+                  <a:srgbClr val="FFFFFF"/>
+                </a:solidFill>
+              </a14:hiddenFill>
+            </a:ext>
+          </a:extLst>
+        </p:spPr>
+      </p:pic>
+      <p:sp>
+        <p:nvSpPr>
+          <p:cNvPr id="4" name="TextBox 3"/>
+          <p:cNvSpPr txBox="1"/>
+          <p:nvPr/>
+        </p:nvSpPr>
+        <p:spPr>
+          <a:xfrm>
+            <a:off x="3404544" y="4557891"/>
+            <a:ext cx="3555782" cy="646331"/>
+          </a:xfrm>
+          <a:prstGeom prst="rect">
+            <a:avLst/>
+          </a:prstGeom>
+          <a:noFill/>
+        </p:spPr>
+        <p:txBody>
+          <a:bodyPr wrap="none" rtlCol="0">
+            <a:spAutoFit/>
+          </a:bodyPr>
+          <a:lstStyle/>
+          <a:p>
+            <a:r>
+              <a:rPr lang="en-US" sz="3600" dirty="0" err="1" smtClean="0"/>
+              <a:t>StudentPassword</a:t>
+            </a:r>
+            <a:endParaRPr lang="ru-RU" sz="3600" dirty="0"/>
           </a:p>
         </p:txBody>
       </p:sp>
